--- a/modules/introduction/105/slides.pptx
+++ b/modules/introduction/105/slides.pptx
@@ -7,6 +7,8 @@
   <p:sldIdLst>
     <p:sldId id="256" r:id="rId2"/>
     <p:sldId id="257" r:id="rId3"/>
+    <p:sldId id="258" r:id="rId4"/>
+    <p:sldId id="259" r:id="rId5"/>
   </p:sldIdLst>
   <p:sldSz cx="9144000" cy="6858000" type="screen4x3"/>
   <p:notesSz cx="6858000" cy="9144000"/>
@@ -3230,6 +3232,76 @@
       </p:grpSpPr>
       <p:sp>
         <p:nvSpPr>
+          <p:cNvPr id="3" name="Content Placeholder 2"/>
+          <p:cNvSpPr>
+            <a:spLocks noGrp="1"/>
+          </p:cNvSpPr>
+          <p:nvPr>
+            <p:ph idx="1"/>
+          </p:nvPr>
+        </p:nvSpPr>
+        <p:spPr/>
+        <p:txBody>
+          <a:bodyPr/>
+          <a:lstStyle/>
+          <a:p>
+            <a:pPr lvl="0" marL="0" indent="0">
+              <a:buNone/>
+            </a:pPr>
+          </a:p>
+          <a:p>
+            <a:pPr lvl="0" marL="0" indent="0">
+              <a:buNone/>
+            </a:pPr>
+            <a:r>
+              <a:rPr/>
+              <a:t>:::</a:t>
+            </a:r>
+          </a:p>
+          <a:p>
+            <a:pPr lvl="0" marL="0" indent="0">
+              <a:buNone/>
+            </a:pPr>
+            <a:r>
+              <a:rPr/>
+              <a:t>Go around the room introducing ourselves.</a:t>
+            </a:r>
+          </a:p>
+          <a:p>
+            <a:pPr lvl="0" marL="0" indent="0">
+              <a:buNone/>
+            </a:pPr>
+            <a:r>
+              <a:rPr/>
+              <a:t>:::</a:t>
+            </a:r>
+          </a:p>
+        </p:txBody>
+      </p:sp>
+    </p:spTree>
+  </p:cSld>
+</p:sld>
+</file>
+
+<file path=ppt/slides/slide3.xml><?xml version="1.0" encoding="utf-8"?>
+<p:sld xmlns:a="http://schemas.openxmlformats.org/drawingml/2006/main" xmlns:r="http://schemas.openxmlformats.org/officeDocument/2006/relationships" xmlns:p="http://schemas.openxmlformats.org/presentationml/2006/main">
+  <p:cSld>
+    <p:spTree>
+      <p:nvGrpSpPr>
+        <p:cNvPr id="1" name=""/>
+        <p:cNvGrpSpPr/>
+        <p:nvPr/>
+      </p:nvGrpSpPr>
+      <p:grpSpPr>
+        <a:xfrm>
+          <a:off x="0" y="0"/>
+          <a:ext cx="0" cy="0"/>
+          <a:chOff x="0" y="0"/>
+          <a:chExt cx="0" cy="0"/>
+        </a:xfrm>
+      </p:grpSpPr>
+      <p:sp>
+        <p:nvSpPr>
           <p:cNvPr id="2" name="Title 1"/>
           <p:cNvSpPr>
             <a:spLocks noGrp="1"/>
@@ -3248,7 +3320,7 @@
             </a:pPr>
             <a:r>
               <a:rPr/>
-              <a:t>Welcome</a:t>
+              <a:t>Syllabus</a:t>
             </a:r>
           </a:p>
         </p:txBody>
@@ -3273,7 +3345,111 @@
             </a:pPr>
             <a:r>
               <a:rPr/>
-              <a:t>nice one!</a:t>
+              <a:t>You can find the syllabus on ELMS and also on </a:t>
+            </a:r>
+          </a:p>
+        </p:txBody>
+      </p:sp>
+    </p:spTree>
+  </p:cSld>
+</p:sld>
+</file>
+
+<file path=ppt/slides/slide4.xml><?xml version="1.0" encoding="utf-8"?>
+<p:sld xmlns:a="http://schemas.openxmlformats.org/drawingml/2006/main" xmlns:r="http://schemas.openxmlformats.org/officeDocument/2006/relationships" xmlns:p="http://schemas.openxmlformats.org/presentationml/2006/main">
+  <p:cSld>
+    <p:spTree>
+      <p:nvGrpSpPr>
+        <p:cNvPr id="1" name=""/>
+        <p:cNvGrpSpPr/>
+        <p:nvPr/>
+      </p:nvGrpSpPr>
+      <p:grpSpPr>
+        <a:xfrm>
+          <a:off x="0" y="0"/>
+          <a:ext cx="0" cy="0"/>
+          <a:chOff x="0" y="0"/>
+          <a:chExt cx="0" cy="0"/>
+        </a:xfrm>
+      </p:grpSpPr>
+      <p:sp>
+        <p:nvSpPr>
+          <p:cNvPr id="3" name="Content Placeholder 2"/>
+          <p:cNvSpPr>
+            <a:spLocks noGrp="1"/>
+          </p:cNvSpPr>
+          <p:nvPr>
+            <p:ph idx="1"/>
+          </p:nvPr>
+        </p:nvSpPr>
+        <p:spPr/>
+        <p:txBody>
+          <a:bodyPr/>
+          <a:lstStyle/>
+          <a:p>
+            <a:pPr lvl="0" marL="0" indent="0">
+              <a:spcBef>
+                <a:spcPts val="3000"/>
+              </a:spcBef>
+              <a:buNone/>
+            </a:pPr>
+            <a:r>
+              <a:rPr b="1"/>
+              <a:t>Learning Outcomes</a:t>
+            </a:r>
+          </a:p>
+          <a:p>
+            <a:pPr lvl="1">
+              <a:buAutoNum type="arabicPeriod"/>
+            </a:pPr>
+            <a:r>
+              <a:rPr/>
+              <a:t>Design, program, and debug Python programs.</a:t>
+            </a:r>
+          </a:p>
+          <a:p>
+            <a:pPr lvl="1">
+              <a:buAutoNum type="arabicPeriod"/>
+            </a:pPr>
+            <a:r>
+              <a:rPr/>
+              <a:t>Collect, process, and analyze data.</a:t>
+            </a:r>
+          </a:p>
+          <a:p>
+            <a:pPr lvl="1">
+              <a:buAutoNum type="arabicPeriod"/>
+            </a:pPr>
+            <a:r>
+              <a:rPr/>
+              <a:t>Test and assess code quality.</a:t>
+            </a:r>
+          </a:p>
+          <a:p>
+            <a:pPr lvl="1">
+              <a:buAutoNum type="arabicPeriod"/>
+            </a:pPr>
+            <a:r>
+              <a:rPr/>
+              <a:t>Understand how code expresses values &amp; ethics.</a:t>
+            </a:r>
+          </a:p>
+          <a:p>
+            <a:pPr lvl="1">
+              <a:buAutoNum type="arabicPeriod"/>
+            </a:pPr>
+            <a:r>
+              <a:rPr/>
+              <a:t>Write clear and effective documentation.</a:t>
+            </a:r>
+          </a:p>
+          <a:p>
+            <a:pPr lvl="1">
+              <a:buAutoNum type="arabicPeriod"/>
+            </a:pPr>
+            <a:r>
+              <a:rPr/>
+              <a:t>Gain competency with tools for managing code.</a:t>
             </a:r>
           </a:p>
         </p:txBody>

--- a/modules/introduction/105/slides.pptx
+++ b/modules/introduction/105/slides.pptx
@@ -9,6 +9,10 @@
     <p:sldId id="257" r:id="rId3"/>
     <p:sldId id="258" r:id="rId4"/>
     <p:sldId id="259" r:id="rId5"/>
+    <p:sldId id="260" r:id="rId6"/>
+    <p:sldId id="261" r:id="rId7"/>
+    <p:sldId id="262" r:id="rId8"/>
+    <p:sldId id="263" r:id="rId9"/>
   </p:sldIdLst>
   <p:sldSz cx="9144000" cy="6858000" type="screen4x3"/>
   <p:notesSz cx="6858000" cy="9144000"/>
@@ -3450,6 +3454,679 @@
             <a:r>
               <a:rPr/>
               <a:t>Gain competency with tools for managing code.</a:t>
+            </a:r>
+          </a:p>
+        </p:txBody>
+      </p:sp>
+    </p:spTree>
+  </p:cSld>
+</p:sld>
+</file>
+
+<file path=ppt/slides/slide5.xml><?xml version="1.0" encoding="utf-8"?>
+<p:sld xmlns:a="http://schemas.openxmlformats.org/drawingml/2006/main" xmlns:r="http://schemas.openxmlformats.org/officeDocument/2006/relationships" xmlns:p="http://schemas.openxmlformats.org/presentationml/2006/main">
+  <p:cSld>
+    <p:spTree>
+      <p:nvGrpSpPr>
+        <p:cNvPr id="1" name=""/>
+        <p:cNvGrpSpPr/>
+        <p:nvPr/>
+      </p:nvGrpSpPr>
+      <p:grpSpPr>
+        <a:xfrm>
+          <a:off x="0" y="0"/>
+          <a:ext cx="0" cy="0"/>
+          <a:chOff x="0" y="0"/>
+          <a:chExt cx="0" cy="0"/>
+        </a:xfrm>
+      </p:grpSpPr>
+      <p:sp>
+        <p:nvSpPr>
+          <p:cNvPr id="2" name="Title 1"/>
+          <p:cNvSpPr>
+            <a:spLocks noGrp="1"/>
+          </p:cNvSpPr>
+          <p:nvPr>
+            <p:ph type="title"/>
+          </p:nvPr>
+        </p:nvSpPr>
+        <p:spPr/>
+        <p:txBody>
+          <a:bodyPr/>
+          <a:lstStyle/>
+          <a:p>
+            <a:pPr lvl="0" marL="0" indent="0">
+              <a:buNone/>
+            </a:pPr>
+            <a:r>
+              <a:rPr/>
+              <a:t>Grades</a:t>
+            </a:r>
+          </a:p>
+        </p:txBody>
+      </p:sp>
+      <p:graphicFrame>
+        <p:nvGraphicFramePr>
+          <p:cNvPr id="6" name="Content Placeholder 5"/>
+          <p:cNvGraphicFramePr>
+            <a:graphicFrameLocks noGrp="1"/>
+          </p:cNvGraphicFramePr>
+          <p:nvPr>
+            <p:ph idx="1"/>
+          </p:nvPr>
+        </p:nvGraphicFramePr>
+        <p:xfrm>
+          <a:off x="457200" y="1600200"/>
+          <a:ext cx="8229600" cy="4521200"/>
+        </p:xfrm>
+        <a:graphic>
+          <a:graphicData uri="http://schemas.openxmlformats.org/drawingml/2006/table">
+            <a:tbl>
+              <a:tblPr firstRow="1" bandRow="1">
+                <a:tableStyleId>{5C22544A-7EE6-4342-B048-85BDC9FD1C3A}</a:tableStyleId>
+              </a:tblPr>
+              <a:tblGrid>
+                <a:gridCol w="4114800"/>
+                <a:gridCol w="4114800"/>
+              </a:tblGrid>
+              <a:tr h="0">
+                <a:tc>
+                  <a:txBody>
+                    <a:bodyPr/>
+                    <a:lstStyle/>
+                    <a:p>
+                      <a:pPr lvl="0" marL="0" indent="0">
+                        <a:buNone/>
+                      </a:pPr>
+                      <a:r>
+                        <a:rPr/>
+                        <a:t>Exercises/Quizzes</a:t>
+                      </a:r>
+                      <a:r>
+                        <a:rPr/>
+                        <a:t> </a:t>
+                      </a:r>
+                      <a:r>
+                        <a:rPr/>
+                        <a:t>(10)</a:t>
+                      </a:r>
+                    </a:p>
+                  </a:txBody>
+                </a:tc>
+                <a:tc>
+                  <a:txBody>
+                    <a:bodyPr/>
+                    <a:lstStyle/>
+                    <a:p>
+                      <a:pPr lvl="0" marL="0" indent="0" algn="r">
+                        <a:buNone/>
+                      </a:pPr>
+                      <a:r>
+                        <a:rPr/>
+                        <a:t>20</a:t>
+                      </a:r>
+                      <a:r>
+                        <a:rPr/>
+                        <a:t> </a:t>
+                      </a:r>
+                      <a:r>
+                        <a:rPr/>
+                        <a:t>points</a:t>
+                      </a:r>
+                    </a:p>
+                  </a:txBody>
+                </a:tc>
+              </a:tr>
+              <a:tr h="0">
+                <a:tc>
+                  <a:txBody>
+                    <a:bodyPr/>
+                    <a:lstStyle/>
+                    <a:p>
+                      <a:pPr lvl="0" marL="0" indent="0">
+                        <a:buNone/>
+                      </a:pPr>
+                      <a:r>
+                        <a:rPr/>
+                        <a:t>Homework</a:t>
+                      </a:r>
+                      <a:r>
+                        <a:rPr/>
+                        <a:t> </a:t>
+                      </a:r>
+                      <a:r>
+                        <a:rPr/>
+                        <a:t>(5)</a:t>
+                      </a:r>
+                    </a:p>
+                  </a:txBody>
+                </a:tc>
+                <a:tc>
+                  <a:txBody>
+                    <a:bodyPr/>
+                    <a:lstStyle/>
+                    <a:p>
+                      <a:pPr lvl="0" marL="0" indent="0" algn="r">
+                        <a:buNone/>
+                      </a:pPr>
+                      <a:r>
+                        <a:rPr/>
+                        <a:t>25</a:t>
+                      </a:r>
+                      <a:r>
+                        <a:rPr/>
+                        <a:t> </a:t>
+                      </a:r>
+                      <a:r>
+                        <a:rPr/>
+                        <a:t>points</a:t>
+                      </a:r>
+                    </a:p>
+                  </a:txBody>
+                </a:tc>
+              </a:tr>
+              <a:tr h="0">
+                <a:tc>
+                  <a:txBody>
+                    <a:bodyPr/>
+                    <a:lstStyle/>
+                    <a:p>
+                      <a:pPr lvl="0" marL="0" indent="0">
+                        <a:buNone/>
+                      </a:pPr>
+                      <a:r>
+                        <a:rPr/>
+                        <a:t>Midterms</a:t>
+                      </a:r>
+                      <a:r>
+                        <a:rPr/>
+                        <a:t> </a:t>
+                      </a:r>
+                      <a:r>
+                        <a:rPr/>
+                        <a:t>(2)</a:t>
+                      </a:r>
+                    </a:p>
+                  </a:txBody>
+                </a:tc>
+                <a:tc>
+                  <a:txBody>
+                    <a:bodyPr/>
+                    <a:lstStyle/>
+                    <a:p>
+                      <a:pPr lvl="0" marL="0" indent="0" algn="r">
+                        <a:buNone/>
+                      </a:pPr>
+                      <a:r>
+                        <a:rPr/>
+                        <a:t>20</a:t>
+                      </a:r>
+                      <a:r>
+                        <a:rPr/>
+                        <a:t> </a:t>
+                      </a:r>
+                      <a:r>
+                        <a:rPr/>
+                        <a:t>points</a:t>
+                      </a:r>
+                    </a:p>
+                  </a:txBody>
+                </a:tc>
+              </a:tr>
+              <a:tr h="0">
+                <a:tc>
+                  <a:txBody>
+                    <a:bodyPr/>
+                    <a:lstStyle/>
+                    <a:p>
+                      <a:pPr lvl="0" marL="0" indent="0">
+                        <a:buNone/>
+                      </a:pPr>
+                      <a:r>
+                        <a:rPr/>
+                        <a:t>Reflections</a:t>
+                      </a:r>
+                      <a:r>
+                        <a:rPr/>
+                        <a:t> </a:t>
+                      </a:r>
+                      <a:r>
+                        <a:rPr/>
+                        <a:t>(3)</a:t>
+                      </a:r>
+                    </a:p>
+                  </a:txBody>
+                </a:tc>
+                <a:tc>
+                  <a:txBody>
+                    <a:bodyPr/>
+                    <a:lstStyle/>
+                    <a:p>
+                      <a:pPr lvl="0" marL="0" indent="0" algn="r">
+                        <a:buNone/>
+                      </a:pPr>
+                      <a:r>
+                        <a:rPr/>
+                        <a:t>10</a:t>
+                      </a:r>
+                      <a:r>
+                        <a:rPr/>
+                        <a:t> </a:t>
+                      </a:r>
+                      <a:r>
+                        <a:rPr/>
+                        <a:t>points</a:t>
+                      </a:r>
+                    </a:p>
+                  </a:txBody>
+                </a:tc>
+              </a:tr>
+              <a:tr h="0">
+                <a:tc>
+                  <a:txBody>
+                    <a:bodyPr/>
+                    <a:lstStyle/>
+                    <a:p>
+                      <a:pPr lvl="0" marL="0" indent="0">
+                        <a:buNone/>
+                      </a:pPr>
+                      <a:r>
+                        <a:rPr/>
+                        <a:t>Final</a:t>
+                      </a:r>
+                      <a:r>
+                        <a:rPr/>
+                        <a:t> </a:t>
+                      </a:r>
+                      <a:r>
+                        <a:rPr/>
+                        <a:t>Project</a:t>
+                      </a:r>
+                    </a:p>
+                  </a:txBody>
+                </a:tc>
+                <a:tc>
+                  <a:txBody>
+                    <a:bodyPr/>
+                    <a:lstStyle/>
+                    <a:p>
+                      <a:pPr lvl="0" marL="0" indent="0" algn="r">
+                        <a:buNone/>
+                      </a:pPr>
+                      <a:r>
+                        <a:rPr/>
+                        <a:t>15</a:t>
+                      </a:r>
+                      <a:r>
+                        <a:rPr/>
+                        <a:t> </a:t>
+                      </a:r>
+                      <a:r>
+                        <a:rPr/>
+                        <a:t>points</a:t>
+                      </a:r>
+                    </a:p>
+                  </a:txBody>
+                </a:tc>
+              </a:tr>
+              <a:tr h="0">
+                <a:tc>
+                  <a:txBody>
+                    <a:bodyPr/>
+                    <a:lstStyle/>
+                    <a:p>
+                      <a:pPr lvl="0" marL="0" indent="0">
+                        <a:buNone/>
+                      </a:pPr>
+                      <a:r>
+                        <a:rPr/>
+                        <a:t>Participation</a:t>
+                      </a:r>
+                    </a:p>
+                  </a:txBody>
+                </a:tc>
+                <a:tc>
+                  <a:txBody>
+                    <a:bodyPr/>
+                    <a:lstStyle/>
+                    <a:p>
+                      <a:pPr lvl="0" marL="0" indent="0" algn="r">
+                        <a:buNone/>
+                      </a:pPr>
+                      <a:r>
+                        <a:rPr/>
+                        <a:t>10</a:t>
+                      </a:r>
+                      <a:r>
+                        <a:rPr/>
+                        <a:t> </a:t>
+                      </a:r>
+                      <a:r>
+                        <a:rPr/>
+                        <a:t>points</a:t>
+                      </a:r>
+                    </a:p>
+                  </a:txBody>
+                </a:tc>
+              </a:tr>
+              <a:tr h="0">
+                <a:tc>
+                  <a:txBody>
+                    <a:bodyPr/>
+                    <a:lstStyle/>
+                    <a:p>
+                      <a:pPr lvl="0" marL="0" indent="0">
+                        <a:buNone/>
+                      </a:pPr>
+                      <a:r>
+                        <a:rPr/>
+                        <a:t>TOTAL</a:t>
+                      </a:r>
+                    </a:p>
+                  </a:txBody>
+                </a:tc>
+                <a:tc>
+                  <a:txBody>
+                    <a:bodyPr/>
+                    <a:lstStyle/>
+                    <a:p>
+                      <a:pPr lvl="0" marL="0" indent="0" algn="r">
+                        <a:buNone/>
+                      </a:pPr>
+                      <a:r>
+                        <a:rPr/>
+                        <a:t>100</a:t>
+                      </a:r>
+                      <a:r>
+                        <a:rPr/>
+                        <a:t> </a:t>
+                      </a:r>
+                      <a:r>
+                        <a:rPr/>
+                        <a:t>points</a:t>
+                      </a:r>
+                    </a:p>
+                  </a:txBody>
+                </a:tc>
+              </a:tr>
+            </a:tbl>
+          </a:graphicData>
+        </a:graphic>
+      </p:graphicFrame>
+    </p:spTree>
+  </p:cSld>
+</p:sld>
+</file>
+
+<file path=ppt/slides/slide6.xml><?xml version="1.0" encoding="utf-8"?>
+<p:sld xmlns:a="http://schemas.openxmlformats.org/drawingml/2006/main" xmlns:r="http://schemas.openxmlformats.org/officeDocument/2006/relationships" xmlns:p="http://schemas.openxmlformats.org/presentationml/2006/main">
+  <p:cSld>
+    <p:spTree>
+      <p:nvGrpSpPr>
+        <p:cNvPr id="1" name=""/>
+        <p:cNvGrpSpPr/>
+        <p:nvPr/>
+      </p:nvGrpSpPr>
+      <p:grpSpPr>
+        <a:xfrm>
+          <a:off x="0" y="0"/>
+          <a:ext cx="0" cy="0"/>
+          <a:chOff x="0" y="0"/>
+          <a:chExt cx="0" cy="0"/>
+        </a:xfrm>
+      </p:grpSpPr>
+      <p:sp>
+        <p:nvSpPr>
+          <p:cNvPr id="2" name="Title 1"/>
+          <p:cNvSpPr>
+            <a:spLocks noGrp="1"/>
+          </p:cNvSpPr>
+          <p:nvPr>
+            <p:ph type="title"/>
+          </p:nvPr>
+        </p:nvSpPr>
+        <p:spPr/>
+        <p:txBody>
+          <a:bodyPr/>
+          <a:lstStyle/>
+          <a:p>
+            <a:pPr lvl="0" marL="0" indent="0">
+              <a:buNone/>
+            </a:pPr>
+            <a:r>
+              <a:rPr/>
+              <a:t>Texts</a:t>
+            </a:r>
+          </a:p>
+        </p:txBody>
+      </p:sp>
+      <p:sp>
+        <p:nvSpPr>
+          <p:cNvPr id="3" name="Content Placeholder 2"/>
+          <p:cNvSpPr>
+            <a:spLocks noGrp="1"/>
+          </p:cNvSpPr>
+          <p:nvPr>
+            <p:ph idx="1"/>
+          </p:nvPr>
+        </p:nvSpPr>
+        <p:spPr/>
+        <p:txBody>
+          <a:bodyPr/>
+          <a:lstStyle/>
+          <a:p>
+            <a:pPr lvl="1"/>
+            <a:r>
+              <a:rPr/>
+              <a:t>Charles R. Severance, </a:t>
+            </a:r>
+            <a:r>
+              <a:rPr>
+                <a:hlinkClick r:id="rId2"/>
+              </a:rPr>
+              <a:t>Python for Everybody: Exploring Data Using Python 3</a:t>
+            </a:r>
+            <a:r>
+              <a:rPr/>
+              <a:t>.</a:t>
+            </a:r>
+          </a:p>
+          <a:p>
+            <a:pPr lvl="1"/>
+            <a:r>
+              <a:rPr>
+                <a:hlinkClick r:id="rId3"/>
+              </a:rPr>
+              <a:t>The Python Tutorial</a:t>
+            </a:r>
+            <a:r>
+              <a:rPr/>
+              <a:t>, v3.7.2, Python Software Foundation.</a:t>
+            </a:r>
+          </a:p>
+          <a:p>
+            <a:pPr lvl="1"/>
+            <a:r>
+              <a:rPr>
+                <a:hlinkClick r:id="rId4"/>
+              </a:rPr>
+              <a:t>Object-Oriented Programming in Python</a:t>
+            </a:r>
+            <a:r>
+              <a:rPr/>
+              <a:t>, University of Cape Town.</a:t>
+            </a:r>
+          </a:p>
+        </p:txBody>
+      </p:sp>
+    </p:spTree>
+  </p:cSld>
+</p:sld>
+</file>
+
+<file path=ppt/slides/slide7.xml><?xml version="1.0" encoding="utf-8"?>
+<p:sld xmlns:a="http://schemas.openxmlformats.org/drawingml/2006/main" xmlns:r="http://schemas.openxmlformats.org/officeDocument/2006/relationships" xmlns:p="http://schemas.openxmlformats.org/presentationml/2006/main">
+  <p:cSld>
+    <p:spTree>
+      <p:nvGrpSpPr>
+        <p:cNvPr id="1" name=""/>
+        <p:cNvGrpSpPr/>
+        <p:nvPr/>
+      </p:nvGrpSpPr>
+      <p:grpSpPr>
+        <a:xfrm>
+          <a:off x="0" y="0"/>
+          <a:ext cx="0" cy="0"/>
+          <a:chOff x="0" y="0"/>
+          <a:chExt cx="0" cy="0"/>
+        </a:xfrm>
+      </p:grpSpPr>
+      <p:sp>
+        <p:nvSpPr>
+          <p:cNvPr id="2" name="Title 1"/>
+          <p:cNvSpPr>
+            <a:spLocks noGrp="1"/>
+          </p:cNvSpPr>
+          <p:nvPr>
+            <p:ph type="title"/>
+          </p:nvPr>
+        </p:nvSpPr>
+        <p:spPr/>
+        <p:txBody>
+          <a:bodyPr/>
+          <a:lstStyle/>
+          <a:p>
+            <a:pPr lvl="0" marL="0" indent="0">
+              <a:buNone/>
+            </a:pPr>
+            <a:r>
+              <a:rPr/>
+              <a:t>Tools</a:t>
+            </a:r>
+          </a:p>
+        </p:txBody>
+      </p:sp>
+      <p:sp>
+        <p:nvSpPr>
+          <p:cNvPr id="3" name="Content Placeholder 2"/>
+          <p:cNvSpPr>
+            <a:spLocks noGrp="1"/>
+          </p:cNvSpPr>
+          <p:nvPr>
+            <p:ph idx="1"/>
+          </p:nvPr>
+        </p:nvSpPr>
+        <p:spPr/>
+        <p:txBody>
+          <a:bodyPr/>
+          <a:lstStyle/>
+          <a:p>
+            <a:pPr lvl="0" marL="0" indent="0">
+              <a:buNone/>
+            </a:pPr>
+            <a:r>
+              <a:rPr/>
+              <a:t>Next time we’ll install some things in class.</a:t>
+            </a:r>
+          </a:p>
+          <a:p>
+            <a:pPr lvl="1"/>
+            <a:r>
+              <a:rPr/>
+              <a:t>Python: for programming.</a:t>
+            </a:r>
+          </a:p>
+          <a:p>
+            <a:pPr lvl="1"/>
+            <a:r>
+              <a:rPr/>
+              <a:t>Visual Studio Code: for editing, terminal, REPl.</a:t>
+            </a:r>
+          </a:p>
+          <a:p>
+            <a:pPr lvl="1"/>
+            <a:r>
+              <a:rPr/>
+              <a:t>Git: for version control.</a:t>
+            </a:r>
+          </a:p>
+          <a:p>
+            <a:pPr lvl="1"/>
+            <a:r>
+              <a:rPr/>
+              <a:t>Slack: for group chat.</a:t>
+            </a:r>
+          </a:p>
+        </p:txBody>
+      </p:sp>
+    </p:spTree>
+  </p:cSld>
+</p:sld>
+</file>
+
+<file path=ppt/slides/slide8.xml><?xml version="1.0" encoding="utf-8"?>
+<p:sld xmlns:a="http://schemas.openxmlformats.org/drawingml/2006/main" xmlns:r="http://schemas.openxmlformats.org/officeDocument/2006/relationships" xmlns:p="http://schemas.openxmlformats.org/presentationml/2006/main">
+  <p:cSld>
+    <p:spTree>
+      <p:nvGrpSpPr>
+        <p:cNvPr id="1" name=""/>
+        <p:cNvGrpSpPr/>
+        <p:nvPr/>
+      </p:nvGrpSpPr>
+      <p:grpSpPr>
+        <a:xfrm>
+          <a:off x="0" y="0"/>
+          <a:ext cx="0" cy="0"/>
+          <a:chOff x="0" y="0"/>
+          <a:chExt cx="0" cy="0"/>
+        </a:xfrm>
+      </p:grpSpPr>
+      <p:sp>
+        <p:nvSpPr>
+          <p:cNvPr id="2" name="Title 1"/>
+          <p:cNvSpPr>
+            <a:spLocks noGrp="1"/>
+          </p:cNvSpPr>
+          <p:nvPr>
+            <p:ph type="title"/>
+          </p:nvPr>
+        </p:nvSpPr>
+        <p:spPr/>
+        <p:txBody>
+          <a:bodyPr/>
+          <a:lstStyle/>
+          <a:p>
+            <a:pPr lvl="0" marL="0" indent="0">
+              <a:buNone/>
+            </a:pPr>
+            <a:r>
+              <a:rPr/>
+              <a:t>Questions?</a:t>
+            </a:r>
+          </a:p>
+        </p:txBody>
+      </p:sp>
+      <p:sp>
+        <p:nvSpPr>
+          <p:cNvPr id="3" name="Content Placeholder 2"/>
+          <p:cNvSpPr>
+            <a:spLocks noGrp="1"/>
+          </p:cNvSpPr>
+          <p:nvPr>
+            <p:ph idx="1"/>
+          </p:nvPr>
+        </p:nvSpPr>
+        <p:spPr/>
+        <p:txBody>
+          <a:bodyPr/>
+          <a:lstStyle/>
+          <a:p>
+            <a:pPr lvl="0" marL="0" indent="0">
+              <a:buNone/>
+            </a:pPr>
+            <a:r>
+              <a:rPr/>
+              <a:t>Time?</a:t>
             </a:r>
           </a:p>
         </p:txBody>

--- a/modules/introduction/105/slides.pptx
+++ b/modules/introduction/105/slides.pptx
@@ -4032,29 +4032,53 @@
           <a:p>
             <a:pPr lvl="1"/>
             <a:r>
+              <a:rPr>
+                <a:hlinkClick r:id="rId2"/>
+              </a:rPr>
+              <a:t>Python</a:t>
+            </a:r>
+            <a:r>
               <a:rPr/>
-              <a:t>Python: for programming.</a:t>
+              <a:t>: for programming.</a:t>
             </a:r>
           </a:p>
           <a:p>
             <a:pPr lvl="1"/>
             <a:r>
+              <a:rPr>
+                <a:hlinkClick r:id="rId3"/>
+              </a:rPr>
+              <a:t>Code</a:t>
+            </a:r>
+            <a:r>
               <a:rPr/>
-              <a:t>Visual Studio Code: for editing, terminal, REPl.</a:t>
+              <a:t>: for editing, terminal, REPl.</a:t>
             </a:r>
           </a:p>
           <a:p>
             <a:pPr lvl="1"/>
             <a:r>
+              <a:rPr>
+                <a:hlinkClick r:id="rId4"/>
+              </a:rPr>
+              <a:t>Git</a:t>
+            </a:r>
+            <a:r>
               <a:rPr/>
-              <a:t>Git: for version control.</a:t>
+              <a:t>: for version control.</a:t>
             </a:r>
           </a:p>
           <a:p>
             <a:pPr lvl="1"/>
             <a:r>
+              <a:rPr>
+                <a:hlinkClick r:id="rId5"/>
+              </a:rPr>
+              <a:t>Slack</a:t>
+            </a:r>
+            <a:r>
               <a:rPr/>
-              <a:t>Slack: for group chat.</a:t>
+              <a:t>: for group chat.</a:t>
             </a:r>
           </a:p>
         </p:txBody>

--- a/modules/introduction/105/slides.pptx
+++ b/modules/introduction/105/slides.pptx
@@ -4150,7 +4150,7 @@
             </a:pPr>
             <a:r>
               <a:rPr/>
-              <a:t>Time?</a:t>
+              <a:t>10:30?</a:t>
             </a:r>
           </a:p>
         </p:txBody>

--- a/modules/introduction/105/slides.pptx
+++ b/modules/introduction/105/slides.pptx
@@ -4052,7 +4052,7 @@
             </a:r>
             <a:r>
               <a:rPr/>
-              <a:t>: for editing, terminal, REPl.</a:t>
+              <a:t>: for editing, terminal, REPL.</a:t>
             </a:r>
           </a:p>
           <a:p>
